--- a/nir/pptx/Presentation.pptx
+++ b/nir/pptx/Presentation.pptx
@@ -207,7 +207,7 @@
           <a:p>
             <a:fld id="{6E6D9DCE-A04C-4D8C-8931-135BCE43B3A4}" type="datetimeFigureOut">
               <a:rPr lang="ru-RU" smtClean="0"/>
-              <a:t>15.12.2022</a:t>
+              <a:t>16.12.2022</a:t>
             </a:fld>
             <a:endParaRPr lang="ru-RU"/>
           </a:p>
@@ -687,7 +687,7 @@
           <a:p>
             <a:fld id="{03C8B24E-9072-4A63-9CF3-2091FBEE0926}" type="datetime1">
               <a:rPr lang="ru-RU" smtClean="0"/>
-              <a:t>15.12.2022</a:t>
+              <a:t>16.12.2022</a:t>
             </a:fld>
             <a:endParaRPr lang="ru-RU"/>
           </a:p>
@@ -855,7 +855,7 @@
           <a:p>
             <a:fld id="{A2DF9016-3B0A-48DB-AA68-59A340F15C97}" type="datetime1">
               <a:rPr lang="ru-RU" smtClean="0"/>
-              <a:t>15.12.2022</a:t>
+              <a:t>16.12.2022</a:t>
             </a:fld>
             <a:endParaRPr lang="ru-RU"/>
           </a:p>
@@ -1033,7 +1033,7 @@
           <a:p>
             <a:fld id="{ED610CF0-5587-4445-8FAA-D1C14AACBF04}" type="datetime1">
               <a:rPr lang="ru-RU" smtClean="0"/>
-              <a:t>15.12.2022</a:t>
+              <a:t>16.12.2022</a:t>
             </a:fld>
             <a:endParaRPr lang="ru-RU"/>
           </a:p>
@@ -1201,7 +1201,7 @@
           <a:p>
             <a:fld id="{7D08D0F9-4486-4C0D-A4C3-9DF41EB36BAE}" type="datetime1">
               <a:rPr lang="ru-RU" smtClean="0"/>
-              <a:t>15.12.2022</a:t>
+              <a:t>16.12.2022</a:t>
             </a:fld>
             <a:endParaRPr lang="ru-RU"/>
           </a:p>
@@ -1446,7 +1446,7 @@
           <a:p>
             <a:fld id="{DCBAD543-8B65-47C4-9868-AF907E0250FD}" type="datetime1">
               <a:rPr lang="ru-RU" smtClean="0"/>
-              <a:t>15.12.2022</a:t>
+              <a:t>16.12.2022</a:t>
             </a:fld>
             <a:endParaRPr lang="ru-RU"/>
           </a:p>
@@ -1675,7 +1675,7 @@
           <a:p>
             <a:fld id="{D011704B-73F3-4C9F-8E51-784348AA7A81}" type="datetime1">
               <a:rPr lang="ru-RU" smtClean="0"/>
-              <a:t>15.12.2022</a:t>
+              <a:t>16.12.2022</a:t>
             </a:fld>
             <a:endParaRPr lang="ru-RU"/>
           </a:p>
@@ -2039,7 +2039,7 @@
           <a:p>
             <a:fld id="{0ECF71ED-13A9-4254-AC52-66FE8A8F1C23}" type="datetime1">
               <a:rPr lang="ru-RU" smtClean="0"/>
-              <a:t>15.12.2022</a:t>
+              <a:t>16.12.2022</a:t>
             </a:fld>
             <a:endParaRPr lang="ru-RU"/>
           </a:p>
@@ -2156,7 +2156,7 @@
           <a:p>
             <a:fld id="{D4D53A68-8569-454A-A05A-DDDF27B07A9D}" type="datetime1">
               <a:rPr lang="ru-RU" smtClean="0"/>
-              <a:t>15.12.2022</a:t>
+              <a:t>16.12.2022</a:t>
             </a:fld>
             <a:endParaRPr lang="ru-RU"/>
           </a:p>
@@ -2251,7 +2251,7 @@
           <a:p>
             <a:fld id="{DEBD3B65-C67D-4788-8DD4-B5879859E161}" type="datetime1">
               <a:rPr lang="ru-RU" smtClean="0"/>
-              <a:t>15.12.2022</a:t>
+              <a:t>16.12.2022</a:t>
             </a:fld>
             <a:endParaRPr lang="ru-RU"/>
           </a:p>
@@ -2526,7 +2526,7 @@
           <a:p>
             <a:fld id="{A7D08EAE-43AF-44C1-A7D9-E10A9ACFDA1E}" type="datetime1">
               <a:rPr lang="ru-RU" smtClean="0"/>
-              <a:t>15.12.2022</a:t>
+              <a:t>16.12.2022</a:t>
             </a:fld>
             <a:endParaRPr lang="ru-RU"/>
           </a:p>
@@ -2778,7 +2778,7 @@
           <a:p>
             <a:fld id="{4AC49E42-2C28-4AEE-A493-6691E23865B3}" type="datetime1">
               <a:rPr lang="ru-RU" smtClean="0"/>
-              <a:t>15.12.2022</a:t>
+              <a:t>16.12.2022</a:t>
             </a:fld>
             <a:endParaRPr lang="ru-RU"/>
           </a:p>
@@ -2989,7 +2989,7 @@
           <a:p>
             <a:fld id="{E56321EE-D23F-4780-B318-01CDAA890F27}" type="datetime1">
               <a:rPr lang="ru-RU" smtClean="0"/>
-              <a:t>15.12.2022</a:t>
+              <a:t>16.12.2022</a:t>
             </a:fld>
             <a:endParaRPr lang="ru-RU"/>
           </a:p>
@@ -3958,10 +3958,10 @@
           <a:lstStyle/>
           <a:p>
             <a:fld id="{C4F09F00-B2EF-4E92-A50A-EB2934570B6C}" type="slidenum">
-              <a:rPr lang="ru-RU" smtClean="0"/>
+              <a:rPr lang="ru-RU" sz="2800" smtClean="0"/>
               <a:t>10</a:t>
             </a:fld>
-            <a:endParaRPr lang="ru-RU"/>
+            <a:endParaRPr lang="ru-RU" dirty="0"/>
           </a:p>
         </p:txBody>
       </p:sp>
@@ -3981,14 +3981,14 @@
             <p:ph idx="1"/>
             <p:extLst>
               <p:ext uri="{D42A27DB-BD31-4B8C-83A1-F6EECF244321}">
-                <p14:modId xmlns:p14="http://schemas.microsoft.com/office/powerpoint/2010/main" val="1138091169"/>
+                <p14:modId xmlns:p14="http://schemas.microsoft.com/office/powerpoint/2010/main" val="4097023383"/>
               </p:ext>
             </p:extLst>
           </p:nvPr>
         </p:nvGraphicFramePr>
         <p:xfrm>
           <a:off x="328474" y="1280160"/>
-          <a:ext cx="11674134" cy="5577840"/>
+          <a:ext cx="11674134" cy="4677937"/>
         </p:xfrm>
         <a:graphic>
           <a:graphicData uri="http://schemas.openxmlformats.org/drawingml/2006/table">
@@ -3997,28 +3997,28 @@
                 <a:tableStyleId>{5C22544A-7EE6-4342-B048-85BDC9FD1C3A}</a:tableStyleId>
               </a:tblPr>
               <a:tblGrid>
-                <a:gridCol w="1945689">
+                <a:gridCol w="2450237">
                   <a:extLst>
                     <a:ext uri="{9D8B030D-6E8A-4147-A177-3AD203B41FA5}">
                       <a16:colId xmlns:a16="http://schemas.microsoft.com/office/drawing/2014/main" val="1237528716"/>
                     </a:ext>
                   </a:extLst>
                 </a:gridCol>
-                <a:gridCol w="1945689">
+                <a:gridCol w="1819922">
                   <a:extLst>
                     <a:ext uri="{9D8B030D-6E8A-4147-A177-3AD203B41FA5}">
                       <a16:colId xmlns:a16="http://schemas.microsoft.com/office/drawing/2014/main" val="3482955717"/>
                     </a:ext>
                   </a:extLst>
                 </a:gridCol>
-                <a:gridCol w="1945689">
+                <a:gridCol w="1651247">
                   <a:extLst>
                     <a:ext uri="{9D8B030D-6E8A-4147-A177-3AD203B41FA5}">
                       <a16:colId xmlns:a16="http://schemas.microsoft.com/office/drawing/2014/main" val="3859926975"/>
                     </a:ext>
                   </a:extLst>
                 </a:gridCol>
-                <a:gridCol w="1945689">
+                <a:gridCol w="1861350">
                   <a:extLst>
                     <a:ext uri="{9D8B030D-6E8A-4147-A177-3AD203B41FA5}">
                       <a16:colId xmlns:a16="http://schemas.microsoft.com/office/drawing/2014/main" val="2311728423"/>
@@ -4661,7 +4661,7 @@
           <a:lstStyle/>
           <a:p>
             <a:fld id="{C4F09F00-B2EF-4E92-A50A-EB2934570B6C}" type="slidenum">
-              <a:rPr lang="ru-RU" sz="1800" smtClean="0">
+              <a:rPr lang="ru-RU" sz="2800" smtClean="0">
                 <a:latin typeface="Times New Roman" panose="02020603050405020304" pitchFamily="18" charset="0"/>
                 <a:cs typeface="Times New Roman" panose="02020603050405020304" pitchFamily="18" charset="0"/>
               </a:rPr>
@@ -4874,13 +4874,13 @@
           <a:lstStyle/>
           <a:p>
             <a:fld id="{C4F09F00-B2EF-4E92-A50A-EB2934570B6C}" type="slidenum">
-              <a:rPr lang="ru-RU" sz="1800" smtClean="0">
+              <a:rPr lang="ru-RU" sz="2800" smtClean="0">
                 <a:latin typeface="Times New Roman" panose="02020603050405020304" pitchFamily="18" charset="0"/>
                 <a:cs typeface="Times New Roman" panose="02020603050405020304" pitchFamily="18" charset="0"/>
               </a:rPr>
               <a:t>2</a:t>
             </a:fld>
-            <a:endParaRPr lang="ru-RU" sz="1800" dirty="0">
+            <a:endParaRPr lang="ru-RU" sz="2800" dirty="0">
               <a:latin typeface="Times New Roman" panose="02020603050405020304" pitchFamily="18" charset="0"/>
               <a:cs typeface="Times New Roman" panose="02020603050405020304" pitchFamily="18" charset="0"/>
             </a:endParaRPr>
@@ -5012,10 +5012,10 @@
           <a:lstStyle/>
           <a:p>
             <a:fld id="{C4F09F00-B2EF-4E92-A50A-EB2934570B6C}" type="slidenum">
-              <a:rPr lang="ru-RU" smtClean="0"/>
+              <a:rPr lang="ru-RU" sz="2800" smtClean="0"/>
               <a:t>3</a:t>
             </a:fld>
-            <a:endParaRPr lang="ru-RU"/>
+            <a:endParaRPr lang="ru-RU" sz="2800" dirty="0"/>
           </a:p>
         </p:txBody>
       </p:sp>
@@ -5136,10 +5136,10 @@
           <a:lstStyle/>
           <a:p>
             <a:fld id="{C4F09F00-B2EF-4E92-A50A-EB2934570B6C}" type="slidenum">
-              <a:rPr lang="ru-RU" smtClean="0"/>
+              <a:rPr lang="ru-RU" sz="2800" smtClean="0"/>
               <a:t>4</a:t>
             </a:fld>
-            <a:endParaRPr lang="ru-RU"/>
+            <a:endParaRPr lang="ru-RU" sz="2800" dirty="0"/>
           </a:p>
         </p:txBody>
       </p:sp>
@@ -5329,10 +5329,10 @@
           <a:lstStyle/>
           <a:p>
             <a:fld id="{C4F09F00-B2EF-4E92-A50A-EB2934570B6C}" type="slidenum">
-              <a:rPr lang="ru-RU" smtClean="0"/>
+              <a:rPr lang="ru-RU" sz="2800" smtClean="0"/>
               <a:t>5</a:t>
             </a:fld>
-            <a:endParaRPr lang="ru-RU"/>
+            <a:endParaRPr lang="ru-RU" sz="2800" dirty="0"/>
           </a:p>
         </p:txBody>
       </p:sp>
@@ -5529,10 +5529,10 @@
           <a:lstStyle/>
           <a:p>
             <a:fld id="{C4F09F00-B2EF-4E92-A50A-EB2934570B6C}" type="slidenum">
-              <a:rPr lang="ru-RU" smtClean="0"/>
+              <a:rPr lang="ru-RU" sz="2800" smtClean="0"/>
               <a:t>6</a:t>
             </a:fld>
-            <a:endParaRPr lang="ru-RU"/>
+            <a:endParaRPr lang="ru-RU" sz="2800" dirty="0"/>
           </a:p>
         </p:txBody>
       </p:sp>
@@ -5650,10 +5650,10 @@
           <a:lstStyle/>
           <a:p>
             <a:fld id="{C4F09F00-B2EF-4E92-A50A-EB2934570B6C}" type="slidenum">
-              <a:rPr lang="ru-RU" smtClean="0"/>
+              <a:rPr lang="ru-RU" sz="2800" smtClean="0"/>
               <a:t>7</a:t>
             </a:fld>
-            <a:endParaRPr lang="ru-RU"/>
+            <a:endParaRPr lang="ru-RU" sz="2800" dirty="0"/>
           </a:p>
         </p:txBody>
       </p:sp>
@@ -5791,10 +5791,10 @@
           <a:lstStyle/>
           <a:p>
             <a:fld id="{C4F09F00-B2EF-4E92-A50A-EB2934570B6C}" type="slidenum">
-              <a:rPr lang="ru-RU" smtClean="0"/>
+              <a:rPr lang="ru-RU" sz="2800" smtClean="0"/>
               <a:t>8</a:t>
             </a:fld>
-            <a:endParaRPr lang="ru-RU"/>
+            <a:endParaRPr lang="ru-RU" sz="2800" dirty="0"/>
           </a:p>
         </p:txBody>
       </p:sp>
@@ -5930,10 +5930,10 @@
           <a:lstStyle/>
           <a:p>
             <a:fld id="{C4F09F00-B2EF-4E92-A50A-EB2934570B6C}" type="slidenum">
-              <a:rPr lang="ru-RU" smtClean="0"/>
+              <a:rPr lang="ru-RU" sz="2800" smtClean="0"/>
               <a:t>9</a:t>
             </a:fld>
-            <a:endParaRPr lang="ru-RU"/>
+            <a:endParaRPr lang="ru-RU" sz="2800" dirty="0"/>
           </a:p>
         </p:txBody>
       </p:sp>
